--- a/resources/img.pptx
+++ b/resources/img.pptx
@@ -3335,7 +3335,7 @@
         </p:nvSpPr>
         <p:spPr>
           <a:xfrm>
-            <a:off x="2114610" y="920161"/>
+            <a:off x="2114610" y="993070"/>
             <a:ext cx="2675284" cy="369332"/>
           </a:xfrm>
           <a:prstGeom prst="rect">
@@ -3355,11 +3355,11 @@
           <a:lstStyle/>
           <a:p>
             <a:r>
-              <a:rPr lang="en-US" dirty="0"/>
+              <a:rPr lang="en-US" b="1" dirty="0"/>
               <a:t>math-</a:t>
             </a:r>
             <a:r>
-              <a:rPr lang="en-US" dirty="0" err="1"/>
+              <a:rPr lang="en-US" b="1" dirty="0" err="1"/>
               <a:t>alderaan</a:t>
             </a:r>
             <a:r>
@@ -3383,7 +3383,7 @@
         </p:nvSpPr>
         <p:spPr>
           <a:xfrm>
-            <a:off x="5521779" y="1085850"/>
+            <a:off x="5431020" y="2607108"/>
             <a:ext cx="1822807" cy="369332"/>
           </a:xfrm>
           <a:prstGeom prst="rect">
@@ -3423,8 +3423,8 @@
         </p:nvSpPr>
         <p:spPr>
           <a:xfrm>
-            <a:off x="7947884" y="901184"/>
-            <a:ext cx="2498184" cy="369332"/>
+            <a:off x="7908030" y="999754"/>
+            <a:ext cx="2620461" cy="369332"/>
           </a:xfrm>
           <a:prstGeom prst="rect">
             <a:avLst/>
@@ -3443,12 +3443,16 @@
           <a:lstStyle/>
           <a:p>
             <a:r>
-              <a:rPr lang="en-US" dirty="0" err="1"/>
+              <a:rPr lang="en-US" b="1" dirty="0" err="1"/>
               <a:t>clas</a:t>
             </a:r>
             <a:r>
+              <a:rPr lang="en-US" b="1" dirty="0"/>
+              <a:t>-compute</a:t>
+            </a:r>
+            <a:r>
               <a:rPr lang="en-US" dirty="0"/>
-              <a:t>-compute head node</a:t>
+              <a:t> head node  </a:t>
             </a:r>
           </a:p>
         </p:txBody>
@@ -3467,7 +3471,7 @@
         </p:nvSpPr>
         <p:spPr>
           <a:xfrm>
-            <a:off x="2334333" y="3799896"/>
+            <a:off x="2334333" y="3608824"/>
             <a:ext cx="1950727" cy="369332"/>
           </a:xfrm>
           <a:prstGeom prst="rect">
@@ -3507,7 +3511,7 @@
         </p:nvSpPr>
         <p:spPr>
           <a:xfrm>
-            <a:off x="2325518" y="2905320"/>
+            <a:off x="2325518" y="2714248"/>
             <a:ext cx="1968359" cy="369332"/>
           </a:xfrm>
           <a:prstGeom prst="rect">
@@ -3549,7 +3553,7 @@
         </p:nvCxnSpPr>
         <p:spPr>
           <a:xfrm flipV="1">
-            <a:off x="3309696" y="3385457"/>
+            <a:off x="3309696" y="3194385"/>
             <a:ext cx="0" cy="315685"/>
           </a:xfrm>
           <a:prstGeom prst="line">
@@ -3588,7 +3592,7 @@
         </p:nvSpPr>
         <p:spPr>
           <a:xfrm>
-            <a:off x="2325518" y="5684115"/>
+            <a:off x="2325518" y="5506691"/>
             <a:ext cx="1992405" cy="369332"/>
           </a:xfrm>
           <a:prstGeom prst="rect">
@@ -3628,7 +3632,7 @@
         </p:nvSpPr>
         <p:spPr>
           <a:xfrm>
-            <a:off x="2325518" y="6227287"/>
+            <a:off x="2325518" y="6049863"/>
             <a:ext cx="1992405" cy="369332"/>
           </a:xfrm>
           <a:prstGeom prst="rect">
@@ -3668,8 +3672,8 @@
         </p:nvSpPr>
         <p:spPr>
           <a:xfrm>
-            <a:off x="2209269" y="4611460"/>
-            <a:ext cx="2485965" cy="923330"/>
+            <a:off x="2223959" y="4229346"/>
+            <a:ext cx="2798584" cy="1200329"/>
           </a:xfrm>
           <a:prstGeom prst="rect">
             <a:avLst/>
@@ -3684,7 +3688,13 @@
           <a:p>
             <a:r>
               <a:rPr lang="en-US" dirty="0"/>
-              <a:t>2 high memory nodes </a:t>
+              <a:t>2 high memory GPU nodes: </a:t>
+            </a:r>
+          </a:p>
+          <a:p>
+            <a:r>
+              <a:rPr lang="en-US" dirty="0"/>
+              <a:t>64 AMD cores each</a:t>
             </a:r>
           </a:p>
           <a:p>
@@ -3696,7 +3706,7 @@
           <a:p>
             <a:r>
               <a:rPr lang="en-US" dirty="0"/>
-              <a:t>NVIDIA A-100 40GB GPU</a:t>
+              <a:t>NVIDIA A100 GPU 40GB</a:t>
             </a:r>
           </a:p>
         </p:txBody>
@@ -3715,7 +3725,7 @@
         </p:nvSpPr>
         <p:spPr>
           <a:xfrm>
-            <a:off x="2259574" y="1895070"/>
+            <a:off x="2259574" y="1703998"/>
             <a:ext cx="2100244" cy="923330"/>
           </a:xfrm>
           <a:prstGeom prst="rect">
@@ -3737,7 +3747,7 @@
           <a:p>
             <a:r>
               <a:rPr lang="en-US" dirty="0"/>
-              <a:t>64 AMD cores</a:t>
+              <a:t>64 AMD cores each</a:t>
             </a:r>
           </a:p>
           <a:p>
@@ -3762,8 +3772,8 @@
         </p:nvSpPr>
         <p:spPr>
           <a:xfrm>
-            <a:off x="2114610" y="1793820"/>
-            <a:ext cx="2675284" cy="2592332"/>
+            <a:off x="2114610" y="1602747"/>
+            <a:ext cx="2659096" cy="4993871"/>
           </a:xfrm>
           <a:prstGeom prst="rect">
             <a:avLst/>
@@ -3800,10 +3810,10 @@
       </p:sp>
       <p:sp>
         <p:nvSpPr>
-          <p:cNvPr id="17" name="Rectangle 16">
-            <a:extLst>
-              <a:ext uri="{FF2B5EF4-FFF2-40B4-BE49-F238E27FC236}">
-                <a16:creationId xmlns:a16="http://schemas.microsoft.com/office/drawing/2014/main" id="{716BEB19-4022-2705-9C99-7D4F5FABF009}"/>
+          <p:cNvPr id="18" name="Rectangle 17">
+            <a:extLst>
+              <a:ext uri="{FF2B5EF4-FFF2-40B4-BE49-F238E27FC236}">
+                <a16:creationId xmlns:a16="http://schemas.microsoft.com/office/drawing/2014/main" id="{94E5E193-B0F7-DD8D-89E9-D97F2DD7499D}"/>
               </a:ext>
             </a:extLst>
           </p:cNvPr>
@@ -3812,8 +3822,8 @@
         </p:nvSpPr>
         <p:spPr>
           <a:xfrm>
-            <a:off x="2114610" y="4611460"/>
-            <a:ext cx="2675284" cy="2145310"/>
+            <a:off x="7894953" y="1609154"/>
+            <a:ext cx="2675284" cy="2592332"/>
           </a:xfrm>
           <a:prstGeom prst="rect">
             <a:avLst/>
@@ -3845,6 +3855,1247 @@
           <a:p>
             <a:pPr algn="ctr"/>
             <a:endParaRPr lang="en-US"/>
+          </a:p>
+        </p:txBody>
+      </p:sp>
+      <p:sp>
+        <p:nvSpPr>
+          <p:cNvPr id="20" name="TextBox 19">
+            <a:extLst>
+              <a:ext uri="{FF2B5EF4-FFF2-40B4-BE49-F238E27FC236}">
+                <a16:creationId xmlns:a16="http://schemas.microsoft.com/office/drawing/2014/main" id="{A51F3681-5014-3573-B7FA-7E0EC83A5995}"/>
+              </a:ext>
+            </a:extLst>
+          </p:cNvPr>
+          <p:cNvSpPr txBox="1"/>
+          <p:nvPr/>
+        </p:nvSpPr>
+        <p:spPr>
+          <a:xfrm>
+            <a:off x="7990456" y="1609154"/>
+            <a:ext cx="2455611" cy="1200329"/>
+          </a:xfrm>
+          <a:prstGeom prst="rect">
+            <a:avLst/>
+          </a:prstGeom>
+          <a:noFill/>
+        </p:spPr>
+        <p:txBody>
+          <a:bodyPr wrap="square" rtlCol="0">
+            <a:spAutoFit/>
+          </a:bodyPr>
+          <a:lstStyle/>
+          <a:p>
+            <a:r>
+              <a:rPr lang="en-US" dirty="0"/>
+              <a:t>24 compute nodes: </a:t>
+            </a:r>
+          </a:p>
+          <a:p>
+            <a:r>
+              <a:rPr lang="en-US" dirty="0"/>
+              <a:t>16 Intel cores each</a:t>
+            </a:r>
+          </a:p>
+          <a:p>
+            <a:r>
+              <a:rPr lang="en-US" dirty="0"/>
+              <a:t>64 GB memory</a:t>
+            </a:r>
+          </a:p>
+          <a:p>
+            <a:r>
+              <a:rPr lang="en-US" dirty="0"/>
+              <a:t>2 NVIDIA Fermi GPUs</a:t>
+            </a:r>
+          </a:p>
+        </p:txBody>
+      </p:sp>
+      <p:sp>
+        <p:nvSpPr>
+          <p:cNvPr id="21" name="TextBox 20">
+            <a:extLst>
+              <a:ext uri="{FF2B5EF4-FFF2-40B4-BE49-F238E27FC236}">
+                <a16:creationId xmlns:a16="http://schemas.microsoft.com/office/drawing/2014/main" id="{505AB0E2-DCD0-6C72-91FE-53CDA79BCF03}"/>
+              </a:ext>
+            </a:extLst>
+          </p:cNvPr>
+          <p:cNvSpPr txBox="1"/>
+          <p:nvPr/>
+        </p:nvSpPr>
+        <p:spPr>
+          <a:xfrm>
+            <a:off x="8117846" y="3673365"/>
+            <a:ext cx="1727524" cy="369332"/>
+          </a:xfrm>
+          <a:prstGeom prst="rect">
+            <a:avLst/>
+          </a:prstGeom>
+          <a:noFill/>
+          <a:ln w="25400">
+            <a:solidFill>
+              <a:schemeClr val="accent1"/>
+            </a:solidFill>
+          </a:ln>
+        </p:spPr>
+        <p:txBody>
+          <a:bodyPr wrap="none" rtlCol="0">
+            <a:spAutoFit/>
+          </a:bodyPr>
+          <a:lstStyle/>
+          <a:p>
+            <a:r>
+              <a:rPr lang="en-US" dirty="0"/>
+              <a:t>math-colibri-c24</a:t>
+            </a:r>
+          </a:p>
+        </p:txBody>
+      </p:sp>
+      <p:sp>
+        <p:nvSpPr>
+          <p:cNvPr id="22" name="TextBox 21">
+            <a:extLst>
+              <a:ext uri="{FF2B5EF4-FFF2-40B4-BE49-F238E27FC236}">
+                <a16:creationId xmlns:a16="http://schemas.microsoft.com/office/drawing/2014/main" id="{AD910EF0-E852-0A5D-7FA8-5D3FB833BB07}"/>
+              </a:ext>
+            </a:extLst>
+          </p:cNvPr>
+          <p:cNvSpPr txBox="1"/>
+          <p:nvPr/>
+        </p:nvSpPr>
+        <p:spPr>
+          <a:xfrm>
+            <a:off x="8109031" y="2778789"/>
+            <a:ext cx="1727524" cy="369332"/>
+          </a:xfrm>
+          <a:prstGeom prst="rect">
+            <a:avLst/>
+          </a:prstGeom>
+          <a:noFill/>
+          <a:ln w="25400">
+            <a:solidFill>
+              <a:schemeClr val="accent1"/>
+            </a:solidFill>
+          </a:ln>
+        </p:spPr>
+        <p:txBody>
+          <a:bodyPr wrap="none" rtlCol="0">
+            <a:spAutoFit/>
+          </a:bodyPr>
+          <a:lstStyle/>
+          <a:p>
+            <a:r>
+              <a:rPr lang="en-US" dirty="0"/>
+              <a:t>math-colibri-c01</a:t>
+            </a:r>
+          </a:p>
+        </p:txBody>
+      </p:sp>
+      <p:cxnSp>
+        <p:nvCxnSpPr>
+          <p:cNvPr id="23" name="Straight Connector 22">
+            <a:extLst>
+              <a:ext uri="{FF2B5EF4-FFF2-40B4-BE49-F238E27FC236}">
+                <a16:creationId xmlns:a16="http://schemas.microsoft.com/office/drawing/2014/main" id="{5BD81F9E-60A2-07AF-6119-08DA1FF2DE0A}"/>
+              </a:ext>
+            </a:extLst>
+          </p:cNvPr>
+          <p:cNvCxnSpPr>
+            <a:cxnSpLocks/>
+          </p:cNvCxnSpPr>
+          <p:nvPr/>
+        </p:nvCxnSpPr>
+        <p:spPr>
+          <a:xfrm flipV="1">
+            <a:off x="9093209" y="3258926"/>
+            <a:ext cx="0" cy="315685"/>
+          </a:xfrm>
+          <a:prstGeom prst="line">
+            <a:avLst/>
+          </a:prstGeom>
+          <a:ln w="25400">
+            <a:prstDash val="sysDot"/>
+          </a:ln>
+        </p:spPr>
+        <p:style>
+          <a:lnRef idx="1">
+            <a:schemeClr val="accent1"/>
+          </a:lnRef>
+          <a:fillRef idx="0">
+            <a:schemeClr val="accent1"/>
+          </a:fillRef>
+          <a:effectRef idx="0">
+            <a:schemeClr val="accent1"/>
+          </a:effectRef>
+          <a:fontRef idx="minor">
+            <a:schemeClr val="tx1"/>
+          </a:fontRef>
+        </p:style>
+      </p:cxnSp>
+      <p:sp>
+        <p:nvSpPr>
+          <p:cNvPr id="24" name="Rectangle 23">
+            <a:extLst>
+              <a:ext uri="{FF2B5EF4-FFF2-40B4-BE49-F238E27FC236}">
+                <a16:creationId xmlns:a16="http://schemas.microsoft.com/office/drawing/2014/main" id="{BD6F28B8-0EF2-FF72-4F56-9056FBC7725F}"/>
+              </a:ext>
+            </a:extLst>
+          </p:cNvPr>
+          <p:cNvSpPr/>
+          <p:nvPr/>
+        </p:nvSpPr>
+        <p:spPr>
+          <a:xfrm>
+            <a:off x="7894953" y="4444408"/>
+            <a:ext cx="2675284" cy="2152211"/>
+          </a:xfrm>
+          <a:prstGeom prst="rect">
+            <a:avLst/>
+          </a:prstGeom>
+          <a:noFill/>
+          <a:ln w="25400">
+            <a:prstDash val="dash"/>
+          </a:ln>
+        </p:spPr>
+        <p:style>
+          <a:lnRef idx="2">
+            <a:schemeClr val="accent1">
+              <a:shade val="50000"/>
+            </a:schemeClr>
+          </a:lnRef>
+          <a:fillRef idx="1">
+            <a:schemeClr val="accent1"/>
+          </a:fillRef>
+          <a:effectRef idx="0">
+            <a:schemeClr val="accent1"/>
+          </a:effectRef>
+          <a:fontRef idx="minor">
+            <a:schemeClr val="lt1"/>
+          </a:fontRef>
+        </p:style>
+        <p:txBody>
+          <a:bodyPr rtlCol="0" anchor="ctr"/>
+          <a:lstStyle/>
+          <a:p>
+            <a:pPr algn="ctr"/>
+            <a:endParaRPr lang="en-US"/>
+          </a:p>
+        </p:txBody>
+      </p:sp>
+      <p:sp>
+        <p:nvSpPr>
+          <p:cNvPr id="25" name="TextBox 24">
+            <a:extLst>
+              <a:ext uri="{FF2B5EF4-FFF2-40B4-BE49-F238E27FC236}">
+                <a16:creationId xmlns:a16="http://schemas.microsoft.com/office/drawing/2014/main" id="{6D570C43-3773-DD8C-3E97-574AF756F6A5}"/>
+              </a:ext>
+            </a:extLst>
+          </p:cNvPr>
+          <p:cNvSpPr txBox="1"/>
+          <p:nvPr/>
+        </p:nvSpPr>
+        <p:spPr>
+          <a:xfrm>
+            <a:off x="7969170" y="4482027"/>
+            <a:ext cx="2476897" cy="646331"/>
+          </a:xfrm>
+          <a:prstGeom prst="rect">
+            <a:avLst/>
+          </a:prstGeom>
+          <a:noFill/>
+        </p:spPr>
+        <p:txBody>
+          <a:bodyPr wrap="square" rtlCol="0">
+            <a:spAutoFit/>
+          </a:bodyPr>
+          <a:lstStyle/>
+          <a:p>
+            <a:r>
+              <a:rPr lang="en-US" dirty="0"/>
+              <a:t>2 interactive nodes: </a:t>
+            </a:r>
+          </a:p>
+          <a:p>
+            <a:r>
+              <a:rPr lang="en-US" dirty="0"/>
+              <a:t>16 Intel cores=32 virtual </a:t>
+            </a:r>
+          </a:p>
+        </p:txBody>
+      </p:sp>
+      <p:sp>
+        <p:nvSpPr>
+          <p:cNvPr id="26" name="TextBox 25">
+            <a:extLst>
+              <a:ext uri="{FF2B5EF4-FFF2-40B4-BE49-F238E27FC236}">
+                <a16:creationId xmlns:a16="http://schemas.microsoft.com/office/drawing/2014/main" id="{DA0F6DDD-88A2-31C7-1F4D-D293F5CD8742}"/>
+              </a:ext>
+            </a:extLst>
+          </p:cNvPr>
+          <p:cNvSpPr txBox="1"/>
+          <p:nvPr/>
+        </p:nvSpPr>
+        <p:spPr>
+          <a:xfrm>
+            <a:off x="8018253" y="5165458"/>
+            <a:ext cx="2337036" cy="646331"/>
+          </a:xfrm>
+          <a:prstGeom prst="rect">
+            <a:avLst/>
+          </a:prstGeom>
+          <a:noFill/>
+          <a:ln w="25400">
+            <a:solidFill>
+              <a:schemeClr val="accent1"/>
+            </a:solidFill>
+          </a:ln>
+        </p:spPr>
+        <p:txBody>
+          <a:bodyPr wrap="square" rtlCol="0">
+            <a:spAutoFit/>
+          </a:bodyPr>
+          <a:lstStyle/>
+          <a:p>
+            <a:r>
+              <a:rPr lang="en-US" dirty="0"/>
+              <a:t>math-colibri-i01 </a:t>
+            </a:r>
+          </a:p>
+          <a:p>
+            <a:r>
+              <a:rPr lang="en-US" dirty="0"/>
+              <a:t>1TB memory</a:t>
+            </a:r>
+          </a:p>
+        </p:txBody>
+      </p:sp>
+      <p:sp>
+        <p:nvSpPr>
+          <p:cNvPr id="27" name="TextBox 26">
+            <a:extLst>
+              <a:ext uri="{FF2B5EF4-FFF2-40B4-BE49-F238E27FC236}">
+                <a16:creationId xmlns:a16="http://schemas.microsoft.com/office/drawing/2014/main" id="{4264BDF4-799A-CFDD-AED8-A4CDBAE3F8C5}"/>
+              </a:ext>
+            </a:extLst>
+          </p:cNvPr>
+          <p:cNvSpPr txBox="1"/>
+          <p:nvPr/>
+        </p:nvSpPr>
+        <p:spPr>
+          <a:xfrm>
+            <a:off x="8018253" y="5904121"/>
+            <a:ext cx="2337036" cy="646331"/>
+          </a:xfrm>
+          <a:prstGeom prst="rect">
+            <a:avLst/>
+          </a:prstGeom>
+          <a:noFill/>
+          <a:ln w="25400">
+            <a:solidFill>
+              <a:schemeClr val="accent1"/>
+            </a:solidFill>
+          </a:ln>
+        </p:spPr>
+        <p:txBody>
+          <a:bodyPr wrap="square" rtlCol="0">
+            <a:spAutoFit/>
+          </a:bodyPr>
+          <a:lstStyle/>
+          <a:p>
+            <a:r>
+              <a:rPr lang="en-US" dirty="0"/>
+              <a:t>math-colibri-i02 </a:t>
+            </a:r>
+          </a:p>
+          <a:p>
+            <a:r>
+              <a:rPr lang="en-US" dirty="0"/>
+              <a:t>192GB memory</a:t>
+            </a:r>
+          </a:p>
+        </p:txBody>
+      </p:sp>
+      <p:sp>
+        <p:nvSpPr>
+          <p:cNvPr id="28" name="Rectangle 27">
+            <a:extLst>
+              <a:ext uri="{FF2B5EF4-FFF2-40B4-BE49-F238E27FC236}">
+                <a16:creationId xmlns:a16="http://schemas.microsoft.com/office/drawing/2014/main" id="{0FA6256F-8685-F652-A41B-AF1A7EE29B50}"/>
+              </a:ext>
+            </a:extLst>
+          </p:cNvPr>
+          <p:cNvSpPr/>
+          <p:nvPr/>
+        </p:nvSpPr>
+        <p:spPr>
+          <a:xfrm>
+            <a:off x="5028599" y="4195080"/>
+            <a:ext cx="2651406" cy="2381590"/>
+          </a:xfrm>
+          <a:prstGeom prst="rect">
+            <a:avLst/>
+          </a:prstGeom>
+          <a:noFill/>
+          <a:ln w="25400">
+            <a:prstDash val="dash"/>
+          </a:ln>
+        </p:spPr>
+        <p:style>
+          <a:lnRef idx="2">
+            <a:schemeClr val="accent1">
+              <a:shade val="50000"/>
+            </a:schemeClr>
+          </a:lnRef>
+          <a:fillRef idx="1">
+            <a:schemeClr val="accent1"/>
+          </a:fillRef>
+          <a:effectRef idx="0">
+            <a:schemeClr val="accent1"/>
+          </a:effectRef>
+          <a:fontRef idx="minor">
+            <a:schemeClr val="lt1"/>
+          </a:fontRef>
+        </p:style>
+        <p:txBody>
+          <a:bodyPr rtlCol="0" anchor="ctr"/>
+          <a:lstStyle/>
+          <a:p>
+            <a:pPr algn="ctr"/>
+            <a:endParaRPr lang="en-US"/>
+          </a:p>
+        </p:txBody>
+      </p:sp>
+      <p:sp>
+        <p:nvSpPr>
+          <p:cNvPr id="29" name="TextBox 28">
+            <a:extLst>
+              <a:ext uri="{FF2B5EF4-FFF2-40B4-BE49-F238E27FC236}">
+                <a16:creationId xmlns:a16="http://schemas.microsoft.com/office/drawing/2014/main" id="{A0E4EAA9-0C21-A010-76D6-8F49DCBD43D6}"/>
+              </a:ext>
+            </a:extLst>
+          </p:cNvPr>
+          <p:cNvSpPr txBox="1"/>
+          <p:nvPr/>
+        </p:nvSpPr>
+        <p:spPr>
+          <a:xfrm>
+            <a:off x="5114618" y="4131889"/>
+            <a:ext cx="2455611" cy="923330"/>
+          </a:xfrm>
+          <a:prstGeom prst="rect">
+            <a:avLst/>
+          </a:prstGeom>
+          <a:noFill/>
+        </p:spPr>
+        <p:txBody>
+          <a:bodyPr wrap="square" rtlCol="0">
+            <a:spAutoFit/>
+          </a:bodyPr>
+          <a:lstStyle/>
+          <a:p>
+            <a:r>
+              <a:rPr lang="en-US" dirty="0"/>
+              <a:t>5 compute nodes: </a:t>
+            </a:r>
+          </a:p>
+          <a:p>
+            <a:r>
+              <a:rPr lang="en-US" dirty="0"/>
+              <a:t>20 Intel cores each</a:t>
+            </a:r>
+          </a:p>
+          <a:p>
+            <a:r>
+              <a:rPr lang="en-US" dirty="0"/>
+              <a:t>192 GB memory</a:t>
+            </a:r>
+          </a:p>
+        </p:txBody>
+      </p:sp>
+      <p:sp>
+        <p:nvSpPr>
+          <p:cNvPr id="30" name="TextBox 29">
+            <a:extLst>
+              <a:ext uri="{FF2B5EF4-FFF2-40B4-BE49-F238E27FC236}">
+                <a16:creationId xmlns:a16="http://schemas.microsoft.com/office/drawing/2014/main" id="{D104F445-F57C-C14A-ACA0-36132B845183}"/>
+              </a:ext>
+            </a:extLst>
+          </p:cNvPr>
+          <p:cNvSpPr txBox="1"/>
+          <p:nvPr/>
+        </p:nvSpPr>
+        <p:spPr>
+          <a:xfrm>
+            <a:off x="5251492" y="6048549"/>
+            <a:ext cx="1649169" cy="369332"/>
+          </a:xfrm>
+          <a:prstGeom prst="rect">
+            <a:avLst/>
+          </a:prstGeom>
+          <a:noFill/>
+          <a:ln w="25400">
+            <a:solidFill>
+              <a:schemeClr val="accent1"/>
+            </a:solidFill>
+          </a:ln>
+        </p:spPr>
+        <p:txBody>
+          <a:bodyPr wrap="none" rtlCol="0">
+            <a:spAutoFit/>
+          </a:bodyPr>
+          <a:lstStyle/>
+          <a:p>
+            <a:r>
+              <a:rPr lang="en-US" dirty="0"/>
+              <a:t>math-score-c05</a:t>
+            </a:r>
+          </a:p>
+        </p:txBody>
+      </p:sp>
+      <p:sp>
+        <p:nvSpPr>
+          <p:cNvPr id="31" name="TextBox 30">
+            <a:extLst>
+              <a:ext uri="{FF2B5EF4-FFF2-40B4-BE49-F238E27FC236}">
+                <a16:creationId xmlns:a16="http://schemas.microsoft.com/office/drawing/2014/main" id="{55A6E8BE-28AE-B3C8-C2D2-92ACC226AAA7}"/>
+              </a:ext>
+            </a:extLst>
+          </p:cNvPr>
+          <p:cNvSpPr txBox="1"/>
+          <p:nvPr/>
+        </p:nvSpPr>
+        <p:spPr>
+          <a:xfrm>
+            <a:off x="5242677" y="5153973"/>
+            <a:ext cx="1649169" cy="369332"/>
+          </a:xfrm>
+          <a:prstGeom prst="rect">
+            <a:avLst/>
+          </a:prstGeom>
+          <a:noFill/>
+          <a:ln w="25400">
+            <a:solidFill>
+              <a:schemeClr val="accent1"/>
+            </a:solidFill>
+          </a:ln>
+        </p:spPr>
+        <p:txBody>
+          <a:bodyPr wrap="none" rtlCol="0">
+            <a:spAutoFit/>
+          </a:bodyPr>
+          <a:lstStyle/>
+          <a:p>
+            <a:r>
+              <a:rPr lang="en-US" dirty="0"/>
+              <a:t>math-score-c01</a:t>
+            </a:r>
+          </a:p>
+        </p:txBody>
+      </p:sp>
+      <p:cxnSp>
+        <p:nvCxnSpPr>
+          <p:cNvPr id="32" name="Straight Connector 31">
+            <a:extLst>
+              <a:ext uri="{FF2B5EF4-FFF2-40B4-BE49-F238E27FC236}">
+                <a16:creationId xmlns:a16="http://schemas.microsoft.com/office/drawing/2014/main" id="{FDECFD75-1BFF-681F-81E2-CF15F6AB42D3}"/>
+              </a:ext>
+            </a:extLst>
+          </p:cNvPr>
+          <p:cNvCxnSpPr>
+            <a:cxnSpLocks/>
+          </p:cNvCxnSpPr>
+          <p:nvPr/>
+        </p:nvCxnSpPr>
+        <p:spPr>
+          <a:xfrm flipV="1">
+            <a:off x="6226855" y="5634110"/>
+            <a:ext cx="0" cy="315685"/>
+          </a:xfrm>
+          <a:prstGeom prst="line">
+            <a:avLst/>
+          </a:prstGeom>
+          <a:ln w="25400">
+            <a:prstDash val="sysDot"/>
+          </a:ln>
+        </p:spPr>
+        <p:style>
+          <a:lnRef idx="1">
+            <a:schemeClr val="accent1"/>
+          </a:lnRef>
+          <a:fillRef idx="0">
+            <a:schemeClr val="accent1"/>
+          </a:fillRef>
+          <a:effectRef idx="0">
+            <a:schemeClr val="accent1"/>
+          </a:effectRef>
+          <a:fontRef idx="minor">
+            <a:schemeClr val="tx1"/>
+          </a:fontRef>
+        </p:style>
+      </p:cxnSp>
+      <p:sp>
+        <p:nvSpPr>
+          <p:cNvPr id="35" name="Down Arrow 34">
+            <a:extLst>
+              <a:ext uri="{FF2B5EF4-FFF2-40B4-BE49-F238E27FC236}">
+                <a16:creationId xmlns:a16="http://schemas.microsoft.com/office/drawing/2014/main" id="{BA38FA98-339D-9A94-4793-A7745C9226AE}"/>
+              </a:ext>
+            </a:extLst>
+          </p:cNvPr>
+          <p:cNvSpPr/>
+          <p:nvPr/>
+        </p:nvSpPr>
+        <p:spPr>
+          <a:xfrm>
+            <a:off x="6092846" y="1451659"/>
+            <a:ext cx="230619" cy="1044643"/>
+          </a:xfrm>
+          <a:prstGeom prst="downArrow">
+            <a:avLst/>
+          </a:prstGeom>
+          <a:noFill/>
+          <a:ln>
+            <a:prstDash val="dash"/>
+          </a:ln>
+        </p:spPr>
+        <p:style>
+          <a:lnRef idx="2">
+            <a:schemeClr val="accent1">
+              <a:shade val="50000"/>
+            </a:schemeClr>
+          </a:lnRef>
+          <a:fillRef idx="1">
+            <a:schemeClr val="accent1"/>
+          </a:fillRef>
+          <a:effectRef idx="0">
+            <a:schemeClr val="accent1"/>
+          </a:effectRef>
+          <a:fontRef idx="minor">
+            <a:schemeClr val="lt1"/>
+          </a:fontRef>
+        </p:style>
+        <p:txBody>
+          <a:bodyPr rtlCol="0" anchor="ctr"/>
+          <a:lstStyle/>
+          <a:p>
+            <a:pPr algn="ctr"/>
+            <a:endParaRPr lang="en-US"/>
+          </a:p>
+        </p:txBody>
+      </p:sp>
+      <p:sp>
+        <p:nvSpPr>
+          <p:cNvPr id="36" name="Down Arrow 35">
+            <a:extLst>
+              <a:ext uri="{FF2B5EF4-FFF2-40B4-BE49-F238E27FC236}">
+                <a16:creationId xmlns:a16="http://schemas.microsoft.com/office/drawing/2014/main" id="{8F3D5A88-5187-DEFA-6C3B-E2B450883F22}"/>
+              </a:ext>
+            </a:extLst>
+          </p:cNvPr>
+          <p:cNvSpPr/>
+          <p:nvPr/>
+        </p:nvSpPr>
+        <p:spPr>
+          <a:xfrm rot="19461361">
+            <a:off x="5204339" y="1207160"/>
+            <a:ext cx="249753" cy="1502674"/>
+          </a:xfrm>
+          <a:prstGeom prst="downArrow">
+            <a:avLst/>
+          </a:prstGeom>
+        </p:spPr>
+        <p:style>
+          <a:lnRef idx="2">
+            <a:schemeClr val="accent1">
+              <a:shade val="50000"/>
+            </a:schemeClr>
+          </a:lnRef>
+          <a:fillRef idx="1">
+            <a:schemeClr val="accent1"/>
+          </a:fillRef>
+          <a:effectRef idx="0">
+            <a:schemeClr val="accent1"/>
+          </a:effectRef>
+          <a:fontRef idx="minor">
+            <a:schemeClr val="lt1"/>
+          </a:fontRef>
+        </p:style>
+        <p:txBody>
+          <a:bodyPr rtlCol="0" anchor="ctr"/>
+          <a:lstStyle/>
+          <a:p>
+            <a:pPr algn="ctr"/>
+            <a:endParaRPr lang="en-US"/>
+          </a:p>
+        </p:txBody>
+      </p:sp>
+      <p:sp>
+        <p:nvSpPr>
+          <p:cNvPr id="37" name="Down Arrow 36">
+            <a:extLst>
+              <a:ext uri="{FF2B5EF4-FFF2-40B4-BE49-F238E27FC236}">
+                <a16:creationId xmlns:a16="http://schemas.microsoft.com/office/drawing/2014/main" id="{FAB9785B-789C-6B6F-5536-2F8BF35135F5}"/>
+              </a:ext>
+            </a:extLst>
+          </p:cNvPr>
+          <p:cNvSpPr/>
+          <p:nvPr/>
+        </p:nvSpPr>
+        <p:spPr>
+          <a:xfrm rot="19396574">
+            <a:off x="7347246" y="2853588"/>
+            <a:ext cx="233357" cy="1722678"/>
+          </a:xfrm>
+          <a:prstGeom prst="downArrow">
+            <a:avLst/>
+          </a:prstGeom>
+        </p:spPr>
+        <p:style>
+          <a:lnRef idx="2">
+            <a:schemeClr val="accent1">
+              <a:shade val="50000"/>
+            </a:schemeClr>
+          </a:lnRef>
+          <a:fillRef idx="1">
+            <a:schemeClr val="accent1"/>
+          </a:fillRef>
+          <a:effectRef idx="0">
+            <a:schemeClr val="accent1"/>
+          </a:effectRef>
+          <a:fontRef idx="minor">
+            <a:schemeClr val="lt1"/>
+          </a:fontRef>
+        </p:style>
+        <p:txBody>
+          <a:bodyPr rtlCol="0" anchor="ctr"/>
+          <a:lstStyle/>
+          <a:p>
+            <a:pPr algn="ctr"/>
+            <a:endParaRPr lang="en-US"/>
+          </a:p>
+        </p:txBody>
+      </p:sp>
+      <p:sp>
+        <p:nvSpPr>
+          <p:cNvPr id="38" name="Down Arrow 37">
+            <a:extLst>
+              <a:ext uri="{FF2B5EF4-FFF2-40B4-BE49-F238E27FC236}">
+                <a16:creationId xmlns:a16="http://schemas.microsoft.com/office/drawing/2014/main" id="{95F50C6F-2620-031A-BA40-EB4DA075662D}"/>
+              </a:ext>
+            </a:extLst>
+          </p:cNvPr>
+          <p:cNvSpPr/>
+          <p:nvPr/>
+        </p:nvSpPr>
+        <p:spPr>
+          <a:xfrm rot="2455463">
+            <a:off x="7189223" y="1107283"/>
+            <a:ext cx="231246" cy="1645393"/>
+          </a:xfrm>
+          <a:prstGeom prst="downArrow">
+            <a:avLst/>
+          </a:prstGeom>
+        </p:spPr>
+        <p:style>
+          <a:lnRef idx="2">
+            <a:schemeClr val="accent1">
+              <a:shade val="50000"/>
+            </a:schemeClr>
+          </a:lnRef>
+          <a:fillRef idx="1">
+            <a:schemeClr val="accent1"/>
+          </a:fillRef>
+          <a:effectRef idx="0">
+            <a:schemeClr val="accent1"/>
+          </a:effectRef>
+          <a:fontRef idx="minor">
+            <a:schemeClr val="lt1"/>
+          </a:fontRef>
+        </p:style>
+        <p:txBody>
+          <a:bodyPr rtlCol="0" anchor="ctr"/>
+          <a:lstStyle/>
+          <a:p>
+            <a:pPr algn="ctr"/>
+            <a:endParaRPr lang="en-US"/>
+          </a:p>
+        </p:txBody>
+      </p:sp>
+      <p:sp>
+        <p:nvSpPr>
+          <p:cNvPr id="39" name="TextBox 38">
+            <a:extLst>
+              <a:ext uri="{FF2B5EF4-FFF2-40B4-BE49-F238E27FC236}">
+                <a16:creationId xmlns:a16="http://schemas.microsoft.com/office/drawing/2014/main" id="{896BF986-6796-C28F-3D5D-97E4053443CF}"/>
+              </a:ext>
+            </a:extLst>
+          </p:cNvPr>
+          <p:cNvSpPr txBox="1"/>
+          <p:nvPr/>
+        </p:nvSpPr>
+        <p:spPr>
+          <a:xfrm>
+            <a:off x="5081925" y="997292"/>
+            <a:ext cx="2607189" cy="369332"/>
+          </a:xfrm>
+          <a:prstGeom prst="rect">
+            <a:avLst/>
+          </a:prstGeom>
+          <a:noFill/>
+          <a:ln w="25400">
+            <a:solidFill>
+              <a:schemeClr val="accent1"/>
+            </a:solidFill>
+          </a:ln>
+        </p:spPr>
+        <p:txBody>
+          <a:bodyPr wrap="none" rtlCol="0">
+            <a:spAutoFit/>
+          </a:bodyPr>
+          <a:lstStyle/>
+          <a:p>
+            <a:r>
+              <a:rPr lang="en-US" b="1" dirty="0"/>
+              <a:t>Interactive web front end</a:t>
+            </a:r>
+            <a:endParaRPr lang="en-US" dirty="0"/>
+          </a:p>
+        </p:txBody>
+      </p:sp>
+      <p:sp>
+        <p:nvSpPr>
+          <p:cNvPr id="40" name="Down Arrow 39">
+            <a:extLst>
+              <a:ext uri="{FF2B5EF4-FFF2-40B4-BE49-F238E27FC236}">
+                <a16:creationId xmlns:a16="http://schemas.microsoft.com/office/drawing/2014/main" id="{FDC4A41D-C839-1935-E18A-E9B77B83EA41}"/>
+              </a:ext>
+            </a:extLst>
+          </p:cNvPr>
+          <p:cNvSpPr/>
+          <p:nvPr/>
+        </p:nvSpPr>
+        <p:spPr>
+          <a:xfrm>
+            <a:off x="6074145" y="3063281"/>
+            <a:ext cx="268018" cy="1040358"/>
+          </a:xfrm>
+          <a:prstGeom prst="downArrow">
+            <a:avLst/>
+          </a:prstGeom>
+        </p:spPr>
+        <p:style>
+          <a:lnRef idx="2">
+            <a:schemeClr val="accent1">
+              <a:shade val="50000"/>
+            </a:schemeClr>
+          </a:lnRef>
+          <a:fillRef idx="1">
+            <a:schemeClr val="accent1"/>
+          </a:fillRef>
+          <a:effectRef idx="0">
+            <a:schemeClr val="accent1"/>
+          </a:effectRef>
+          <a:fontRef idx="minor">
+            <a:schemeClr val="lt1"/>
+          </a:fontRef>
+        </p:style>
+        <p:txBody>
+          <a:bodyPr rtlCol="0" anchor="ctr"/>
+          <a:lstStyle/>
+          <a:p>
+            <a:pPr algn="ctr"/>
+            <a:endParaRPr lang="en-US"/>
+          </a:p>
+        </p:txBody>
+      </p:sp>
+      <p:sp>
+        <p:nvSpPr>
+          <p:cNvPr id="41" name="Down Arrow 40">
+            <a:extLst>
+              <a:ext uri="{FF2B5EF4-FFF2-40B4-BE49-F238E27FC236}">
+                <a16:creationId xmlns:a16="http://schemas.microsoft.com/office/drawing/2014/main" id="{D35D5AFC-0A59-D670-F075-3B4E07135880}"/>
+              </a:ext>
+            </a:extLst>
+          </p:cNvPr>
+          <p:cNvSpPr/>
+          <p:nvPr/>
+        </p:nvSpPr>
+        <p:spPr>
+          <a:xfrm rot="16200000">
+            <a:off x="7401969" y="2601708"/>
+            <a:ext cx="280003" cy="457626"/>
+          </a:xfrm>
+          <a:prstGeom prst="downArrow">
+            <a:avLst/>
+          </a:prstGeom>
+        </p:spPr>
+        <p:style>
+          <a:lnRef idx="2">
+            <a:schemeClr val="accent1">
+              <a:shade val="50000"/>
+            </a:schemeClr>
+          </a:lnRef>
+          <a:fillRef idx="1">
+            <a:schemeClr val="accent1"/>
+          </a:fillRef>
+          <a:effectRef idx="0">
+            <a:schemeClr val="accent1"/>
+          </a:effectRef>
+          <a:fontRef idx="minor">
+            <a:schemeClr val="lt1"/>
+          </a:fontRef>
+        </p:style>
+        <p:txBody>
+          <a:bodyPr rtlCol="0" anchor="ctr"/>
+          <a:lstStyle/>
+          <a:p>
+            <a:pPr algn="ctr"/>
+            <a:endParaRPr lang="en-US"/>
+          </a:p>
+        </p:txBody>
+      </p:sp>
+      <p:sp>
+        <p:nvSpPr>
+          <p:cNvPr id="43" name="Up-Down Arrow 42">
+            <a:extLst>
+              <a:ext uri="{FF2B5EF4-FFF2-40B4-BE49-F238E27FC236}">
+                <a16:creationId xmlns:a16="http://schemas.microsoft.com/office/drawing/2014/main" id="{47F67FD6-D6D1-99A5-D329-0FB109EA61D3}"/>
+              </a:ext>
+            </a:extLst>
+          </p:cNvPr>
+          <p:cNvSpPr/>
+          <p:nvPr/>
+        </p:nvSpPr>
+        <p:spPr>
+          <a:xfrm rot="2254311">
+            <a:off x="4902903" y="1236718"/>
+            <a:ext cx="238234" cy="1580031"/>
+          </a:xfrm>
+          <a:prstGeom prst="upDownArrow">
+            <a:avLst/>
+          </a:prstGeom>
+          <a:noFill/>
+          <a:ln>
+            <a:prstDash val="dash"/>
+          </a:ln>
+        </p:spPr>
+        <p:style>
+          <a:lnRef idx="2">
+            <a:schemeClr val="accent1">
+              <a:shade val="50000"/>
+            </a:schemeClr>
+          </a:lnRef>
+          <a:fillRef idx="1">
+            <a:schemeClr val="accent1"/>
+          </a:fillRef>
+          <a:effectRef idx="0">
+            <a:schemeClr val="accent1"/>
+          </a:effectRef>
+          <a:fontRef idx="minor">
+            <a:schemeClr val="lt1"/>
+          </a:fontRef>
+        </p:style>
+        <p:txBody>
+          <a:bodyPr rtlCol="0" anchor="ctr"/>
+          <a:lstStyle/>
+          <a:p>
+            <a:pPr algn="ctr"/>
+            <a:endParaRPr lang="en-US"/>
+          </a:p>
+        </p:txBody>
+      </p:sp>
+      <p:sp>
+        <p:nvSpPr>
+          <p:cNvPr id="45" name="Down Arrow 44">
+            <a:extLst>
+              <a:ext uri="{FF2B5EF4-FFF2-40B4-BE49-F238E27FC236}">
+                <a16:creationId xmlns:a16="http://schemas.microsoft.com/office/drawing/2014/main" id="{2339A822-B676-D937-FBD0-5728FFE8F642}"/>
+              </a:ext>
+            </a:extLst>
+          </p:cNvPr>
+          <p:cNvSpPr/>
+          <p:nvPr/>
+        </p:nvSpPr>
+        <p:spPr>
+          <a:xfrm rot="3304971">
+            <a:off x="5144652" y="2820295"/>
+            <a:ext cx="285551" cy="1218444"/>
+          </a:xfrm>
+          <a:prstGeom prst="downArrow">
+            <a:avLst/>
+          </a:prstGeom>
+        </p:spPr>
+        <p:style>
+          <a:lnRef idx="2">
+            <a:schemeClr val="accent1">
+              <a:shade val="50000"/>
+            </a:schemeClr>
+          </a:lnRef>
+          <a:fillRef idx="1">
+            <a:schemeClr val="accent1"/>
+          </a:fillRef>
+          <a:effectRef idx="0">
+            <a:schemeClr val="accent1"/>
+          </a:effectRef>
+          <a:fontRef idx="minor">
+            <a:schemeClr val="lt1"/>
+          </a:fontRef>
+        </p:style>
+        <p:txBody>
+          <a:bodyPr rtlCol="0" anchor="ctr"/>
+          <a:lstStyle/>
+          <a:p>
+            <a:pPr algn="ctr"/>
+            <a:endParaRPr lang="en-US"/>
+          </a:p>
+        </p:txBody>
+      </p:sp>
+      <p:sp>
+        <p:nvSpPr>
+          <p:cNvPr id="46" name="Up-Down Arrow 45">
+            <a:extLst>
+              <a:ext uri="{FF2B5EF4-FFF2-40B4-BE49-F238E27FC236}">
+                <a16:creationId xmlns:a16="http://schemas.microsoft.com/office/drawing/2014/main" id="{E32659C5-852C-3CD8-467A-2214B4C837F6}"/>
+              </a:ext>
+            </a:extLst>
+          </p:cNvPr>
+          <p:cNvSpPr/>
+          <p:nvPr/>
+        </p:nvSpPr>
+        <p:spPr>
+          <a:xfrm>
+            <a:off x="9071190" y="307548"/>
+            <a:ext cx="195639" cy="628047"/>
+          </a:xfrm>
+          <a:prstGeom prst="upDownArrow">
+            <a:avLst/>
+          </a:prstGeom>
+        </p:spPr>
+        <p:style>
+          <a:lnRef idx="2">
+            <a:schemeClr val="accent1">
+              <a:shade val="50000"/>
+            </a:schemeClr>
+          </a:lnRef>
+          <a:fillRef idx="1">
+            <a:schemeClr val="accent1"/>
+          </a:fillRef>
+          <a:effectRef idx="0">
+            <a:schemeClr val="accent1"/>
+          </a:effectRef>
+          <a:fontRef idx="minor">
+            <a:schemeClr val="lt1"/>
+          </a:fontRef>
+        </p:style>
+        <p:txBody>
+          <a:bodyPr rtlCol="0" anchor="ctr"/>
+          <a:lstStyle/>
+          <a:p>
+            <a:pPr algn="ctr"/>
+            <a:endParaRPr lang="en-US"/>
+          </a:p>
+        </p:txBody>
+      </p:sp>
+      <p:sp>
+        <p:nvSpPr>
+          <p:cNvPr id="47" name="Up-Down Arrow 46">
+            <a:extLst>
+              <a:ext uri="{FF2B5EF4-FFF2-40B4-BE49-F238E27FC236}">
+                <a16:creationId xmlns:a16="http://schemas.microsoft.com/office/drawing/2014/main" id="{1BA3ACDC-41B1-54D1-F2EE-F41A57DE955B}"/>
+              </a:ext>
+            </a:extLst>
+          </p:cNvPr>
+          <p:cNvSpPr/>
+          <p:nvPr/>
+        </p:nvSpPr>
+        <p:spPr>
+          <a:xfrm>
+            <a:off x="6136063" y="281330"/>
+            <a:ext cx="195639" cy="628047"/>
+          </a:xfrm>
+          <a:prstGeom prst="upDownArrow">
+            <a:avLst/>
+          </a:prstGeom>
+          <a:noFill/>
+          <a:ln>
+            <a:prstDash val="dash"/>
+          </a:ln>
+        </p:spPr>
+        <p:style>
+          <a:lnRef idx="2">
+            <a:schemeClr val="accent1">
+              <a:shade val="50000"/>
+            </a:schemeClr>
+          </a:lnRef>
+          <a:fillRef idx="1">
+            <a:schemeClr val="accent1"/>
+          </a:fillRef>
+          <a:effectRef idx="0">
+            <a:schemeClr val="accent1"/>
+          </a:effectRef>
+          <a:fontRef idx="minor">
+            <a:schemeClr val="lt1"/>
+          </a:fontRef>
+        </p:style>
+        <p:txBody>
+          <a:bodyPr rtlCol="0" anchor="ctr"/>
+          <a:lstStyle/>
+          <a:p>
+            <a:pPr algn="ctr"/>
+            <a:endParaRPr lang="en-US"/>
+          </a:p>
+        </p:txBody>
+      </p:sp>
+      <p:sp>
+        <p:nvSpPr>
+          <p:cNvPr id="48" name="Up-Down Arrow 47">
+            <a:extLst>
+              <a:ext uri="{FF2B5EF4-FFF2-40B4-BE49-F238E27FC236}">
+                <a16:creationId xmlns:a16="http://schemas.microsoft.com/office/drawing/2014/main" id="{6FB8F7EC-DE36-D707-36BB-E41C07E29B9C}"/>
+              </a:ext>
+            </a:extLst>
+          </p:cNvPr>
+          <p:cNvSpPr/>
+          <p:nvPr/>
+        </p:nvSpPr>
+        <p:spPr>
+          <a:xfrm>
+            <a:off x="3309696" y="268743"/>
+            <a:ext cx="195639" cy="628047"/>
+          </a:xfrm>
+          <a:prstGeom prst="upDownArrow">
+            <a:avLst/>
+          </a:prstGeom>
+        </p:spPr>
+        <p:style>
+          <a:lnRef idx="2">
+            <a:schemeClr val="accent1">
+              <a:shade val="50000"/>
+            </a:schemeClr>
+          </a:lnRef>
+          <a:fillRef idx="1">
+            <a:schemeClr val="accent1"/>
+          </a:fillRef>
+          <a:effectRef idx="0">
+            <a:schemeClr val="accent1"/>
+          </a:effectRef>
+          <a:fontRef idx="minor">
+            <a:schemeClr val="lt1"/>
+          </a:fontRef>
+        </p:style>
+        <p:txBody>
+          <a:bodyPr rtlCol="0" anchor="ctr"/>
+          <a:lstStyle/>
+          <a:p>
+            <a:pPr algn="ctr"/>
+            <a:endParaRPr lang="en-US"/>
+          </a:p>
+        </p:txBody>
+      </p:sp>
+      <p:sp>
+        <p:nvSpPr>
+          <p:cNvPr id="49" name="TextBox 48">
+            <a:extLst>
+              <a:ext uri="{FF2B5EF4-FFF2-40B4-BE49-F238E27FC236}">
+                <a16:creationId xmlns:a16="http://schemas.microsoft.com/office/drawing/2014/main" id="{21A9653C-EEE2-5055-904A-A0D95300103F}"/>
+              </a:ext>
+            </a:extLst>
+          </p:cNvPr>
+          <p:cNvSpPr txBox="1"/>
+          <p:nvPr/>
+        </p:nvSpPr>
+        <p:spPr>
+          <a:xfrm>
+            <a:off x="9266829" y="389287"/>
+            <a:ext cx="486030" cy="369332"/>
+          </a:xfrm>
+          <a:prstGeom prst="rect">
+            <a:avLst/>
+          </a:prstGeom>
+          <a:noFill/>
+        </p:spPr>
+        <p:txBody>
+          <a:bodyPr wrap="none" rtlCol="0">
+            <a:spAutoFit/>
+          </a:bodyPr>
+          <a:lstStyle/>
+          <a:p>
+            <a:r>
+              <a:rPr lang="en-US" dirty="0" err="1"/>
+              <a:t>ssh</a:t>
+            </a:r>
+            <a:endParaRPr lang="en-US" dirty="0"/>
+          </a:p>
+        </p:txBody>
+      </p:sp>
+      <p:sp>
+        <p:nvSpPr>
+          <p:cNvPr id="50" name="TextBox 49">
+            <a:extLst>
+              <a:ext uri="{FF2B5EF4-FFF2-40B4-BE49-F238E27FC236}">
+                <a16:creationId xmlns:a16="http://schemas.microsoft.com/office/drawing/2014/main" id="{C66EF9BF-5D53-3B71-70F6-8C8D3B88E240}"/>
+              </a:ext>
+            </a:extLst>
+          </p:cNvPr>
+          <p:cNvSpPr txBox="1"/>
+          <p:nvPr/>
+        </p:nvSpPr>
+        <p:spPr>
+          <a:xfrm>
+            <a:off x="3481316" y="364410"/>
+            <a:ext cx="486030" cy="369332"/>
+          </a:xfrm>
+          <a:prstGeom prst="rect">
+            <a:avLst/>
+          </a:prstGeom>
+          <a:noFill/>
+        </p:spPr>
+        <p:txBody>
+          <a:bodyPr wrap="none" rtlCol="0">
+            <a:spAutoFit/>
+          </a:bodyPr>
+          <a:lstStyle/>
+          <a:p>
+            <a:r>
+              <a:rPr lang="en-US" dirty="0" err="1"/>
+              <a:t>ssh</a:t>
+            </a:r>
+            <a:endParaRPr lang="en-US" dirty="0"/>
+          </a:p>
+        </p:txBody>
+      </p:sp>
+      <p:sp>
+        <p:nvSpPr>
+          <p:cNvPr id="51" name="TextBox 50">
+            <a:extLst>
+              <a:ext uri="{FF2B5EF4-FFF2-40B4-BE49-F238E27FC236}">
+                <a16:creationId xmlns:a16="http://schemas.microsoft.com/office/drawing/2014/main" id="{85BF7F7A-E540-7E40-D63E-9194FFD61CC6}"/>
+              </a:ext>
+            </a:extLst>
+          </p:cNvPr>
+          <p:cNvSpPr txBox="1"/>
+          <p:nvPr/>
+        </p:nvSpPr>
+        <p:spPr>
+          <a:xfrm>
+            <a:off x="6366581" y="364410"/>
+            <a:ext cx="1443087" cy="369332"/>
+          </a:xfrm>
+          <a:prstGeom prst="rect">
+            <a:avLst/>
+          </a:prstGeom>
+          <a:noFill/>
+        </p:spPr>
+        <p:txBody>
+          <a:bodyPr wrap="none" rtlCol="0">
+            <a:spAutoFit/>
+          </a:bodyPr>
+          <a:lstStyle/>
+          <a:p>
+            <a:r>
+              <a:rPr lang="en-US" dirty="0"/>
+              <a:t>https (future)</a:t>
+            </a:r>
           </a:p>
         </p:txBody>
       </p:sp>
@@ -4146,7 +5397,33 @@
       </a:bgFillStyleLst>
     </a:fmtScheme>
   </a:themeElements>
-  <a:objectDefaults/>
+  <a:objectDefaults>
+    <a:spDef>
+      <a:spPr/>
+      <a:bodyPr rtlCol="0" anchor="ctr"/>
+      <a:lstStyle>
+        <a:defPPr algn="ctr">
+          <a:defRPr/>
+        </a:defPPr>
+      </a:lstStyle>
+      <a:style>
+        <a:lnRef idx="2">
+          <a:schemeClr val="accent1">
+            <a:shade val="50000"/>
+          </a:schemeClr>
+        </a:lnRef>
+        <a:fillRef idx="1">
+          <a:schemeClr val="accent1"/>
+        </a:fillRef>
+        <a:effectRef idx="0">
+          <a:schemeClr val="accent1"/>
+        </a:effectRef>
+        <a:fontRef idx="minor">
+          <a:schemeClr val="lt1"/>
+        </a:fontRef>
+      </a:style>
+    </a:spDef>
+  </a:objectDefaults>
   <a:extraClrSchemeLst/>
   <a:extLst>
     <a:ext uri="{05A4C25C-085E-4340-85A3-A5531E510DB2}">

--- a/resources/img.pptx
+++ b/resources/img.pptx
@@ -3822,7 +3822,7 @@
         </p:nvSpPr>
         <p:spPr>
           <a:xfrm>
-            <a:off x="7894953" y="1609154"/>
+            <a:off x="7923041" y="4032852"/>
             <a:ext cx="2675284" cy="2592332"/>
           </a:xfrm>
           <a:prstGeom prst="rect">
@@ -3872,7 +3872,7 @@
         </p:nvSpPr>
         <p:spPr>
           <a:xfrm>
-            <a:off x="7990456" y="1609154"/>
+            <a:off x="8020917" y="4025007"/>
             <a:ext cx="2455611" cy="1200329"/>
           </a:xfrm>
           <a:prstGeom prst="rect">
@@ -3925,7 +3925,7 @@
         </p:nvSpPr>
         <p:spPr>
           <a:xfrm>
-            <a:off x="8117846" y="3673365"/>
+            <a:off x="8148307" y="6116514"/>
             <a:ext cx="1727524" cy="369332"/>
           </a:xfrm>
           <a:prstGeom prst="rect">
@@ -3965,7 +3965,7 @@
         </p:nvSpPr>
         <p:spPr>
           <a:xfrm>
-            <a:off x="8109031" y="2778789"/>
+            <a:off x="8139492" y="5221938"/>
             <a:ext cx="1727524" cy="369332"/>
           </a:xfrm>
           <a:prstGeom prst="rect">
@@ -4007,7 +4007,7 @@
         </p:nvCxnSpPr>
         <p:spPr>
           <a:xfrm flipV="1">
-            <a:off x="9093209" y="3258926"/>
+            <a:off x="9123670" y="5702075"/>
             <a:ext cx="0" cy="315685"/>
           </a:xfrm>
           <a:prstGeom prst="line">
@@ -4046,7 +4046,7 @@
         </p:nvSpPr>
         <p:spPr>
           <a:xfrm>
-            <a:off x="7894953" y="4444408"/>
+            <a:off x="7907599" y="1643400"/>
             <a:ext cx="2675284" cy="2152211"/>
           </a:xfrm>
           <a:prstGeom prst="rect">
@@ -4096,7 +4096,7 @@
         </p:nvSpPr>
         <p:spPr>
           <a:xfrm>
-            <a:off x="7969170" y="4482027"/>
+            <a:off x="7981816" y="1681019"/>
             <a:ext cx="2476897" cy="646331"/>
           </a:xfrm>
           <a:prstGeom prst="rect">
@@ -4137,7 +4137,7 @@
         </p:nvSpPr>
         <p:spPr>
           <a:xfrm>
-            <a:off x="8018253" y="5165458"/>
+            <a:off x="8030899" y="2364450"/>
             <a:ext cx="2337036" cy="646331"/>
           </a:xfrm>
           <a:prstGeom prst="rect">
@@ -4183,7 +4183,7 @@
         </p:nvSpPr>
         <p:spPr>
           <a:xfrm>
-            <a:off x="8018253" y="5904121"/>
+            <a:off x="8030899" y="3103113"/>
             <a:ext cx="2337036" cy="646331"/>
           </a:xfrm>
           <a:prstGeom prst="rect">
@@ -4710,10 +4710,10 @@
       </p:sp>
       <p:sp>
         <p:nvSpPr>
-          <p:cNvPr id="41" name="Down Arrow 40">
-            <a:extLst>
-              <a:ext uri="{FF2B5EF4-FFF2-40B4-BE49-F238E27FC236}">
-                <a16:creationId xmlns:a16="http://schemas.microsoft.com/office/drawing/2014/main" id="{D35D5AFC-0A59-D670-F075-3B4E07135880}"/>
+          <p:cNvPr id="43" name="Up-Down Arrow 42">
+            <a:extLst>
+              <a:ext uri="{FF2B5EF4-FFF2-40B4-BE49-F238E27FC236}">
+                <a16:creationId xmlns:a16="http://schemas.microsoft.com/office/drawing/2014/main" id="{47F67FD6-D6D1-99A5-D329-0FB109EA61D3}"/>
               </a:ext>
             </a:extLst>
           </p:cNvPr>
@@ -4721,13 +4721,17 @@
           <p:nvPr/>
         </p:nvSpPr>
         <p:spPr>
-          <a:xfrm rot="16200000">
-            <a:off x="7401969" y="2601708"/>
-            <a:ext cx="280003" cy="457626"/>
-          </a:xfrm>
-          <a:prstGeom prst="downArrow">
+          <a:xfrm rot="2254311">
+            <a:off x="4902903" y="1236718"/>
+            <a:ext cx="238234" cy="1580031"/>
+          </a:xfrm>
+          <a:prstGeom prst="upDownArrow">
             <a:avLst/>
           </a:prstGeom>
+          <a:noFill/>
+          <a:ln>
+            <a:prstDash val="dash"/>
+          </a:ln>
         </p:spPr>
         <p:style>
           <a:lnRef idx="2">
@@ -4756,10 +4760,10 @@
       </p:sp>
       <p:sp>
         <p:nvSpPr>
-          <p:cNvPr id="43" name="Up-Down Arrow 42">
-            <a:extLst>
-              <a:ext uri="{FF2B5EF4-FFF2-40B4-BE49-F238E27FC236}">
-                <a16:creationId xmlns:a16="http://schemas.microsoft.com/office/drawing/2014/main" id="{47F67FD6-D6D1-99A5-D329-0FB109EA61D3}"/>
+          <p:cNvPr id="45" name="Down Arrow 44">
+            <a:extLst>
+              <a:ext uri="{FF2B5EF4-FFF2-40B4-BE49-F238E27FC236}">
+                <a16:creationId xmlns:a16="http://schemas.microsoft.com/office/drawing/2014/main" id="{2339A822-B676-D937-FBD0-5728FFE8F642}"/>
               </a:ext>
             </a:extLst>
           </p:cNvPr>
@@ -4767,17 +4771,13 @@
           <p:nvPr/>
         </p:nvSpPr>
         <p:spPr>
-          <a:xfrm rot="2254311">
-            <a:off x="4902903" y="1236718"/>
-            <a:ext cx="238234" cy="1580031"/>
-          </a:xfrm>
-          <a:prstGeom prst="upDownArrow">
+          <a:xfrm rot="3304971">
+            <a:off x="5144652" y="2820295"/>
+            <a:ext cx="285551" cy="1218444"/>
+          </a:xfrm>
+          <a:prstGeom prst="downArrow">
             <a:avLst/>
           </a:prstGeom>
-          <a:noFill/>
-          <a:ln>
-            <a:prstDash val="dash"/>
-          </a:ln>
         </p:spPr>
         <p:style>
           <a:lnRef idx="2">
@@ -4806,10 +4806,10 @@
       </p:sp>
       <p:sp>
         <p:nvSpPr>
-          <p:cNvPr id="45" name="Down Arrow 44">
-            <a:extLst>
-              <a:ext uri="{FF2B5EF4-FFF2-40B4-BE49-F238E27FC236}">
-                <a16:creationId xmlns:a16="http://schemas.microsoft.com/office/drawing/2014/main" id="{2339A822-B676-D937-FBD0-5728FFE8F642}"/>
+          <p:cNvPr id="46" name="Up-Down Arrow 45">
+            <a:extLst>
+              <a:ext uri="{FF2B5EF4-FFF2-40B4-BE49-F238E27FC236}">
+                <a16:creationId xmlns:a16="http://schemas.microsoft.com/office/drawing/2014/main" id="{E32659C5-852C-3CD8-467A-2214B4C837F6}"/>
               </a:ext>
             </a:extLst>
           </p:cNvPr>
@@ -4817,11 +4817,11 @@
           <p:nvPr/>
         </p:nvSpPr>
         <p:spPr>
-          <a:xfrm rot="3304971">
-            <a:off x="5144652" y="2820295"/>
-            <a:ext cx="285551" cy="1218444"/>
-          </a:xfrm>
-          <a:prstGeom prst="downArrow">
+          <a:xfrm>
+            <a:off x="9071190" y="307548"/>
+            <a:ext cx="195639" cy="628047"/>
+          </a:xfrm>
+          <a:prstGeom prst="upDownArrow">
             <a:avLst/>
           </a:prstGeom>
         </p:spPr>
@@ -4852,10 +4852,10 @@
       </p:sp>
       <p:sp>
         <p:nvSpPr>
-          <p:cNvPr id="46" name="Up-Down Arrow 45">
-            <a:extLst>
-              <a:ext uri="{FF2B5EF4-FFF2-40B4-BE49-F238E27FC236}">
-                <a16:creationId xmlns:a16="http://schemas.microsoft.com/office/drawing/2014/main" id="{E32659C5-852C-3CD8-467A-2214B4C837F6}"/>
+          <p:cNvPr id="47" name="Up-Down Arrow 46">
+            <a:extLst>
+              <a:ext uri="{FF2B5EF4-FFF2-40B4-BE49-F238E27FC236}">
+                <a16:creationId xmlns:a16="http://schemas.microsoft.com/office/drawing/2014/main" id="{1BA3ACDC-41B1-54D1-F2EE-F41A57DE955B}"/>
               </a:ext>
             </a:extLst>
           </p:cNvPr>
@@ -4864,12 +4864,16 @@
         </p:nvSpPr>
         <p:spPr>
           <a:xfrm>
-            <a:off x="9071190" y="307548"/>
+            <a:off x="6136063" y="281330"/>
             <a:ext cx="195639" cy="628047"/>
           </a:xfrm>
           <a:prstGeom prst="upDownArrow">
             <a:avLst/>
           </a:prstGeom>
+          <a:noFill/>
+          <a:ln>
+            <a:prstDash val="dash"/>
+          </a:ln>
         </p:spPr>
         <p:style>
           <a:lnRef idx="2">
@@ -4898,10 +4902,10 @@
       </p:sp>
       <p:sp>
         <p:nvSpPr>
-          <p:cNvPr id="47" name="Up-Down Arrow 46">
-            <a:extLst>
-              <a:ext uri="{FF2B5EF4-FFF2-40B4-BE49-F238E27FC236}">
-                <a16:creationId xmlns:a16="http://schemas.microsoft.com/office/drawing/2014/main" id="{1BA3ACDC-41B1-54D1-F2EE-F41A57DE955B}"/>
+          <p:cNvPr id="48" name="Up-Down Arrow 47">
+            <a:extLst>
+              <a:ext uri="{FF2B5EF4-FFF2-40B4-BE49-F238E27FC236}">
+                <a16:creationId xmlns:a16="http://schemas.microsoft.com/office/drawing/2014/main" id="{6FB8F7EC-DE36-D707-36BB-E41C07E29B9C}"/>
               </a:ext>
             </a:extLst>
           </p:cNvPr>
@@ -4910,16 +4914,12 @@
         </p:nvSpPr>
         <p:spPr>
           <a:xfrm>
-            <a:off x="6136063" y="281330"/>
+            <a:off x="3309696" y="268743"/>
             <a:ext cx="195639" cy="628047"/>
           </a:xfrm>
           <a:prstGeom prst="upDownArrow">
             <a:avLst/>
           </a:prstGeom>
-          <a:noFill/>
-          <a:ln>
-            <a:prstDash val="dash"/>
-          </a:ln>
         </p:spPr>
         <p:style>
           <a:lnRef idx="2">
@@ -4948,10 +4948,117 @@
       </p:sp>
       <p:sp>
         <p:nvSpPr>
-          <p:cNvPr id="48" name="Up-Down Arrow 47">
-            <a:extLst>
-              <a:ext uri="{FF2B5EF4-FFF2-40B4-BE49-F238E27FC236}">
-                <a16:creationId xmlns:a16="http://schemas.microsoft.com/office/drawing/2014/main" id="{6FB8F7EC-DE36-D707-36BB-E41C07E29B9C}"/>
+          <p:cNvPr id="49" name="TextBox 48">
+            <a:extLst>
+              <a:ext uri="{FF2B5EF4-FFF2-40B4-BE49-F238E27FC236}">
+                <a16:creationId xmlns:a16="http://schemas.microsoft.com/office/drawing/2014/main" id="{21A9653C-EEE2-5055-904A-A0D95300103F}"/>
+              </a:ext>
+            </a:extLst>
+          </p:cNvPr>
+          <p:cNvSpPr txBox="1"/>
+          <p:nvPr/>
+        </p:nvSpPr>
+        <p:spPr>
+          <a:xfrm>
+            <a:off x="9266829" y="389287"/>
+            <a:ext cx="486030" cy="369332"/>
+          </a:xfrm>
+          <a:prstGeom prst="rect">
+            <a:avLst/>
+          </a:prstGeom>
+          <a:noFill/>
+        </p:spPr>
+        <p:txBody>
+          <a:bodyPr wrap="none" rtlCol="0">
+            <a:spAutoFit/>
+          </a:bodyPr>
+          <a:lstStyle/>
+          <a:p>
+            <a:r>
+              <a:rPr lang="en-US" dirty="0" err="1"/>
+              <a:t>ssh</a:t>
+            </a:r>
+            <a:endParaRPr lang="en-US" dirty="0"/>
+          </a:p>
+        </p:txBody>
+      </p:sp>
+      <p:sp>
+        <p:nvSpPr>
+          <p:cNvPr id="50" name="TextBox 49">
+            <a:extLst>
+              <a:ext uri="{FF2B5EF4-FFF2-40B4-BE49-F238E27FC236}">
+                <a16:creationId xmlns:a16="http://schemas.microsoft.com/office/drawing/2014/main" id="{C66EF9BF-5D53-3B71-70F6-8C8D3B88E240}"/>
+              </a:ext>
+            </a:extLst>
+          </p:cNvPr>
+          <p:cNvSpPr txBox="1"/>
+          <p:nvPr/>
+        </p:nvSpPr>
+        <p:spPr>
+          <a:xfrm>
+            <a:off x="3481316" y="364410"/>
+            <a:ext cx="486030" cy="369332"/>
+          </a:xfrm>
+          <a:prstGeom prst="rect">
+            <a:avLst/>
+          </a:prstGeom>
+          <a:noFill/>
+        </p:spPr>
+        <p:txBody>
+          <a:bodyPr wrap="none" rtlCol="0">
+            <a:spAutoFit/>
+          </a:bodyPr>
+          <a:lstStyle/>
+          <a:p>
+            <a:r>
+              <a:rPr lang="en-US" dirty="0" err="1"/>
+              <a:t>ssh</a:t>
+            </a:r>
+            <a:endParaRPr lang="en-US" dirty="0"/>
+          </a:p>
+        </p:txBody>
+      </p:sp>
+      <p:sp>
+        <p:nvSpPr>
+          <p:cNvPr id="51" name="TextBox 50">
+            <a:extLst>
+              <a:ext uri="{FF2B5EF4-FFF2-40B4-BE49-F238E27FC236}">
+                <a16:creationId xmlns:a16="http://schemas.microsoft.com/office/drawing/2014/main" id="{85BF7F7A-E540-7E40-D63E-9194FFD61CC6}"/>
+              </a:ext>
+            </a:extLst>
+          </p:cNvPr>
+          <p:cNvSpPr txBox="1"/>
+          <p:nvPr/>
+        </p:nvSpPr>
+        <p:spPr>
+          <a:xfrm>
+            <a:off x="6366581" y="364410"/>
+            <a:ext cx="1443087" cy="369332"/>
+          </a:xfrm>
+          <a:prstGeom prst="rect">
+            <a:avLst/>
+          </a:prstGeom>
+          <a:noFill/>
+        </p:spPr>
+        <p:txBody>
+          <a:bodyPr wrap="none" rtlCol="0">
+            <a:spAutoFit/>
+          </a:bodyPr>
+          <a:lstStyle/>
+          <a:p>
+            <a:r>
+              <a:rPr lang="en-US" dirty="0"/>
+              <a:t>https (future)</a:t>
+            </a:r>
+          </a:p>
+        </p:txBody>
+      </p:sp>
+      <p:sp>
+        <p:nvSpPr>
+          <p:cNvPr id="53" name="Up-Down Arrow 52">
+            <a:extLst>
+              <a:ext uri="{FF2B5EF4-FFF2-40B4-BE49-F238E27FC236}">
+                <a16:creationId xmlns:a16="http://schemas.microsoft.com/office/drawing/2014/main" id="{150E2183-5013-E6D3-B19E-CF91C915CCC9}"/>
               </a:ext>
             </a:extLst>
           </p:cNvPr>
@@ -4960,8 +5067,8 @@
         </p:nvSpPr>
         <p:spPr>
           <a:xfrm>
-            <a:off x="3309696" y="268743"/>
-            <a:ext cx="195639" cy="628047"/>
+            <a:off x="9071190" y="1353934"/>
+            <a:ext cx="214565" cy="403033"/>
           </a:xfrm>
           <a:prstGeom prst="upDownArrow">
             <a:avLst/>
@@ -4989,113 +5096,6 @@
           <a:p>
             <a:pPr algn="ctr"/>
             <a:endParaRPr lang="en-US"/>
-          </a:p>
-        </p:txBody>
-      </p:sp>
-      <p:sp>
-        <p:nvSpPr>
-          <p:cNvPr id="49" name="TextBox 48">
-            <a:extLst>
-              <a:ext uri="{FF2B5EF4-FFF2-40B4-BE49-F238E27FC236}">
-                <a16:creationId xmlns:a16="http://schemas.microsoft.com/office/drawing/2014/main" id="{21A9653C-EEE2-5055-904A-A0D95300103F}"/>
-              </a:ext>
-            </a:extLst>
-          </p:cNvPr>
-          <p:cNvSpPr txBox="1"/>
-          <p:nvPr/>
-        </p:nvSpPr>
-        <p:spPr>
-          <a:xfrm>
-            <a:off x="9266829" y="389287"/>
-            <a:ext cx="486030" cy="369332"/>
-          </a:xfrm>
-          <a:prstGeom prst="rect">
-            <a:avLst/>
-          </a:prstGeom>
-          <a:noFill/>
-        </p:spPr>
-        <p:txBody>
-          <a:bodyPr wrap="none" rtlCol="0">
-            <a:spAutoFit/>
-          </a:bodyPr>
-          <a:lstStyle/>
-          <a:p>
-            <a:r>
-              <a:rPr lang="en-US" dirty="0" err="1"/>
-              <a:t>ssh</a:t>
-            </a:r>
-            <a:endParaRPr lang="en-US" dirty="0"/>
-          </a:p>
-        </p:txBody>
-      </p:sp>
-      <p:sp>
-        <p:nvSpPr>
-          <p:cNvPr id="50" name="TextBox 49">
-            <a:extLst>
-              <a:ext uri="{FF2B5EF4-FFF2-40B4-BE49-F238E27FC236}">
-                <a16:creationId xmlns:a16="http://schemas.microsoft.com/office/drawing/2014/main" id="{C66EF9BF-5D53-3B71-70F6-8C8D3B88E240}"/>
-              </a:ext>
-            </a:extLst>
-          </p:cNvPr>
-          <p:cNvSpPr txBox="1"/>
-          <p:nvPr/>
-        </p:nvSpPr>
-        <p:spPr>
-          <a:xfrm>
-            <a:off x="3481316" y="364410"/>
-            <a:ext cx="486030" cy="369332"/>
-          </a:xfrm>
-          <a:prstGeom prst="rect">
-            <a:avLst/>
-          </a:prstGeom>
-          <a:noFill/>
-        </p:spPr>
-        <p:txBody>
-          <a:bodyPr wrap="none" rtlCol="0">
-            <a:spAutoFit/>
-          </a:bodyPr>
-          <a:lstStyle/>
-          <a:p>
-            <a:r>
-              <a:rPr lang="en-US" dirty="0" err="1"/>
-              <a:t>ssh</a:t>
-            </a:r>
-            <a:endParaRPr lang="en-US" dirty="0"/>
-          </a:p>
-        </p:txBody>
-      </p:sp>
-      <p:sp>
-        <p:nvSpPr>
-          <p:cNvPr id="51" name="TextBox 50">
-            <a:extLst>
-              <a:ext uri="{FF2B5EF4-FFF2-40B4-BE49-F238E27FC236}">
-                <a16:creationId xmlns:a16="http://schemas.microsoft.com/office/drawing/2014/main" id="{85BF7F7A-E540-7E40-D63E-9194FFD61CC6}"/>
-              </a:ext>
-            </a:extLst>
-          </p:cNvPr>
-          <p:cNvSpPr txBox="1"/>
-          <p:nvPr/>
-        </p:nvSpPr>
-        <p:spPr>
-          <a:xfrm>
-            <a:off x="6366581" y="364410"/>
-            <a:ext cx="1443087" cy="369332"/>
-          </a:xfrm>
-          <a:prstGeom prst="rect">
-            <a:avLst/>
-          </a:prstGeom>
-          <a:noFill/>
-        </p:spPr>
-        <p:txBody>
-          <a:bodyPr wrap="none" rtlCol="0">
-            <a:spAutoFit/>
-          </a:bodyPr>
-          <a:lstStyle/>
-          <a:p>
-            <a:r>
-              <a:rPr lang="en-US" dirty="0"/>
-              <a:t>https (future)</a:t>
-            </a:r>
           </a:p>
         </p:txBody>
       </p:sp>

--- a/resources/img.pptx
+++ b/resources/img.pptx
@@ -104,6 +104,11 @@
       </a:defRPr>
     </a:lvl9pPr>
   </p:defaultTextStyle>
+  <p:extLst>
+    <p:ext uri="{EFAFB233-063F-42B5-8137-9DF3F51BA10A}">
+      <p15:sldGuideLst xmlns:p15="http://schemas.microsoft.com/office/powerpoint/2012/main"/>
+    </p:ext>
+  </p:extLst>
 </p:presentation>
 </file>
 
@@ -254,7 +259,7 @@
           <a:p>
             <a:fld id="{8E5EF151-49BD-0946-9F94-C833372E8A6B}" type="datetimeFigureOut">
               <a:rPr lang="en-US" smtClean="0"/>
-              <a:t>4/26/22</a:t>
+              <a:t>6/22/22</a:t>
             </a:fld>
             <a:endParaRPr lang="en-US"/>
           </a:p>
@@ -452,7 +457,7 @@
           <a:p>
             <a:fld id="{8E5EF151-49BD-0946-9F94-C833372E8A6B}" type="datetimeFigureOut">
               <a:rPr lang="en-US" smtClean="0"/>
-              <a:t>4/26/22</a:t>
+              <a:t>6/22/22</a:t>
             </a:fld>
             <a:endParaRPr lang="en-US"/>
           </a:p>
@@ -660,7 +665,7 @@
           <a:p>
             <a:fld id="{8E5EF151-49BD-0946-9F94-C833372E8A6B}" type="datetimeFigureOut">
               <a:rPr lang="en-US" smtClean="0"/>
-              <a:t>4/26/22</a:t>
+              <a:t>6/22/22</a:t>
             </a:fld>
             <a:endParaRPr lang="en-US"/>
           </a:p>
@@ -858,7 +863,7 @@
           <a:p>
             <a:fld id="{8E5EF151-49BD-0946-9F94-C833372E8A6B}" type="datetimeFigureOut">
               <a:rPr lang="en-US" smtClean="0"/>
-              <a:t>4/26/22</a:t>
+              <a:t>6/22/22</a:t>
             </a:fld>
             <a:endParaRPr lang="en-US"/>
           </a:p>
@@ -1133,7 +1138,7 @@
           <a:p>
             <a:fld id="{8E5EF151-49BD-0946-9F94-C833372E8A6B}" type="datetimeFigureOut">
               <a:rPr lang="en-US" smtClean="0"/>
-              <a:t>4/26/22</a:t>
+              <a:t>6/22/22</a:t>
             </a:fld>
             <a:endParaRPr lang="en-US"/>
           </a:p>
@@ -1398,7 +1403,7 @@
           <a:p>
             <a:fld id="{8E5EF151-49BD-0946-9F94-C833372E8A6B}" type="datetimeFigureOut">
               <a:rPr lang="en-US" smtClean="0"/>
-              <a:t>4/26/22</a:t>
+              <a:t>6/22/22</a:t>
             </a:fld>
             <a:endParaRPr lang="en-US"/>
           </a:p>
@@ -1810,7 +1815,7 @@
           <a:p>
             <a:fld id="{8E5EF151-49BD-0946-9F94-C833372E8A6B}" type="datetimeFigureOut">
               <a:rPr lang="en-US" smtClean="0"/>
-              <a:t>4/26/22</a:t>
+              <a:t>6/22/22</a:t>
             </a:fld>
             <a:endParaRPr lang="en-US"/>
           </a:p>
@@ -1951,7 +1956,7 @@
           <a:p>
             <a:fld id="{8E5EF151-49BD-0946-9F94-C833372E8A6B}" type="datetimeFigureOut">
               <a:rPr lang="en-US" smtClean="0"/>
-              <a:t>4/26/22</a:t>
+              <a:t>6/22/22</a:t>
             </a:fld>
             <a:endParaRPr lang="en-US"/>
           </a:p>
@@ -2064,7 +2069,7 @@
           <a:p>
             <a:fld id="{8E5EF151-49BD-0946-9F94-C833372E8A6B}" type="datetimeFigureOut">
               <a:rPr lang="en-US" smtClean="0"/>
-              <a:t>4/26/22</a:t>
+              <a:t>6/22/22</a:t>
             </a:fld>
             <a:endParaRPr lang="en-US"/>
           </a:p>
@@ -2375,7 +2380,7 @@
           <a:p>
             <a:fld id="{8E5EF151-49BD-0946-9F94-C833372E8A6B}" type="datetimeFigureOut">
               <a:rPr lang="en-US" smtClean="0"/>
-              <a:t>4/26/22</a:t>
+              <a:t>6/22/22</a:t>
             </a:fld>
             <a:endParaRPr lang="en-US"/>
           </a:p>
@@ -2663,7 +2668,7 @@
           <a:p>
             <a:fld id="{8E5EF151-49BD-0946-9F94-C833372E8A6B}" type="datetimeFigureOut">
               <a:rPr lang="en-US" smtClean="0"/>
-              <a:t>4/26/22</a:t>
+              <a:t>6/22/22</a:t>
             </a:fld>
             <a:endParaRPr lang="en-US"/>
           </a:p>
@@ -2904,7 +2909,7 @@
           <a:p>
             <a:fld id="{8E5EF151-49BD-0946-9F94-C833372E8A6B}" type="datetimeFigureOut">
               <a:rPr lang="en-US" smtClean="0"/>
-              <a:t>4/26/22</a:t>
+              <a:t>6/22/22</a:t>
             </a:fld>
             <a:endParaRPr lang="en-US"/>
           </a:p>
@@ -3672,7 +3677,7 @@
         </p:nvSpPr>
         <p:spPr>
           <a:xfrm>
-            <a:off x="2223959" y="4229346"/>
+            <a:off x="2102569" y="4076910"/>
             <a:ext cx="2798584" cy="1200329"/>
           </a:xfrm>
           <a:prstGeom prst="rect">
@@ -3694,7 +3699,7 @@
           <a:p>
             <a:r>
               <a:rPr lang="en-US" dirty="0"/>
-              <a:t>64 AMD cores each</a:t>
+              <a:t>64 AMD cores each </a:t>
             </a:r>
           </a:p>
           <a:p>
@@ -3706,7 +3711,7 @@
           <a:p>
             <a:r>
               <a:rPr lang="en-US" dirty="0"/>
-              <a:t>NVIDIA A100 GPU 40GB</a:t>
+              <a:t>2 NVIDIA A100 GPU 40GB</a:t>
             </a:r>
           </a:p>
         </p:txBody>
